--- a/CampChallenge_java/012.オブジェクト指向/オブジェクト.pptx
+++ b/CampChallenge_java/012.オブジェクト指向/オブジェクト.pptx
@@ -110,12 +110,12 @@
   <p:extLst>
     <p:ext uri="{EFAFB233-063F-42B5-8137-9DF3F51BA10A}">
       <p15:sldGuideLst xmlns:p15="http://schemas.microsoft.com/office/powerpoint/2012/main">
-        <p15:guide id="1" orient="horz" pos="2160" userDrawn="1">
+        <p15:guide id="1" orient="horz" pos="2727" userDrawn="1">
           <p15:clr>
             <a:srgbClr val="A4A3A4"/>
           </p15:clr>
         </p15:guide>
-        <p15:guide id="2" pos="3840" userDrawn="1">
+        <p15:guide id="2" pos="6448" userDrawn="1">
           <p15:clr>
             <a:srgbClr val="A4A3A4"/>
           </p15:clr>
